--- a/azure/getting_started_slides_m3_monitor.pptx
+++ b/azure/getting_started_slides_m3_monitor.pptx
@@ -231,7 +231,7 @@
           <a:p>
             <a:fld id="{BE1B5227-671A-4331-BA8E-6A194D65408B}" type="datetimeFigureOut">
               <a:rPr lang="en-US" smtClean="0"/>
-              <a:t>12/8/2017</a:t>
+              <a:t>1/15/2018</a:t>
             </a:fld>
             <a:endParaRPr lang="en-US"/>
           </a:p>
@@ -396,7 +396,7 @@
           <a:p>
             <a:fld id="{27872E6B-C85C-424E-AD51-4389090A2C7D}" type="datetimeFigureOut">
               <a:rPr lang="en-US" smtClean="0"/>
-              <a:t>12/8/2017</a:t>
+              <a:t>1/15/2018</a:t>
             </a:fld>
             <a:endParaRPr lang="en-US"/>
           </a:p>
@@ -4780,6 +4780,18 @@
   <p:clrMapOvr>
     <a:masterClrMapping/>
   </p:clrMapOvr>
+  <mc:AlternateContent xmlns:mc="http://schemas.openxmlformats.org/markup-compatibility/2006">
+    <mc:Choice xmlns:p14="http://schemas.microsoft.com/office/powerpoint/2010/main" Requires="p14">
+      <p:transition p14:dur="100">
+        <p14:reveal/>
+      </p:transition>
+    </mc:Choice>
+    <mc:Fallback>
+      <p:transition>
+        <p:fade/>
+      </p:transition>
+    </mc:Fallback>
+  </mc:AlternateContent>
 </p:sld>
 </file>
 
